--- a/Documentations/FND- Powerpoint Presenstation/FND_Presentation_Styled_EricLumumba_May,2025.pptx
+++ b/Documentations/FND- Powerpoint Presenstation/FND_Presentation_Styled_EricLumumba_May,2025.pptx
@@ -2,7 +2,7 @@
 <file path=ppt/presentation.xml><?xml version="1.0" encoding="utf-8"?>
 <p:presentation xmlns:a="http://schemas.openxmlformats.org/drawingml/2006/main" xmlns:r="http://schemas.openxmlformats.org/officeDocument/2006/relationships" xmlns:p="http://schemas.openxmlformats.org/presentationml/2006/main" saveSubsetFonts="1">
   <p:sldMasterIdLst>
-    <p:sldMasterId id="2147483672" r:id="rId1"/>
+    <p:sldMasterId id="2147483794" r:id="rId1"/>
   </p:sldMasterIdLst>
   <p:notesMasterIdLst>
     <p:notesMasterId r:id="rId12"/>
@@ -3282,7 +3282,7 @@
           <a:p>
             <a:fld id="{7AB7AEB2-CF99-4525-BB89-803CADFDF697}" type="datetimeFigureOut">
               <a:rPr lang="en-US" smtClean="0"/>
-              <a:t>5/6/2025</a:t>
+              <a:t>5/9/2025</a:t>
             </a:fld>
             <a:endParaRPr lang="en-US"/>
           </a:p>
@@ -4355,7 +4355,7 @@
           <a:p>
             <a:fld id="{A9612C94-3065-4569-9717-3719DCF8FC1C}" type="datetimeFigureOut">
               <a:rPr lang="en-US" smtClean="0"/>
-              <a:t>5/6/2025</a:t>
+              <a:t>5/9/2025</a:t>
             </a:fld>
             <a:endParaRPr lang="en-US"/>
           </a:p>
@@ -4406,7 +4406,7 @@
     </p:spTree>
     <p:extLst>
       <p:ext uri="{BB962C8B-B14F-4D97-AF65-F5344CB8AC3E}">
-        <p14:creationId xmlns:p14="http://schemas.microsoft.com/office/powerpoint/2010/main" val="2862045817"/>
+        <p14:creationId xmlns:p14="http://schemas.microsoft.com/office/powerpoint/2010/main" val="2528257114"/>
       </p:ext>
     </p:extLst>
   </p:cSld>
@@ -4606,7 +4606,7 @@
           <a:p>
             <a:fld id="{A9612C94-3065-4569-9717-3719DCF8FC1C}" type="datetimeFigureOut">
               <a:rPr lang="en-US" smtClean="0"/>
-              <a:t>5/6/2025</a:t>
+              <a:t>5/9/2025</a:t>
             </a:fld>
             <a:endParaRPr lang="en-US"/>
           </a:p>
@@ -4657,7 +4657,7 @@
     </p:spTree>
     <p:extLst>
       <p:ext uri="{BB962C8B-B14F-4D97-AF65-F5344CB8AC3E}">
-        <p14:creationId xmlns:p14="http://schemas.microsoft.com/office/powerpoint/2010/main" val="1920984149"/>
+        <p14:creationId xmlns:p14="http://schemas.microsoft.com/office/powerpoint/2010/main" val="2031418718"/>
       </p:ext>
     </p:extLst>
   </p:cSld>
@@ -4920,7 +4920,7 @@
           <a:p>
             <a:fld id="{A9612C94-3065-4569-9717-3719DCF8FC1C}" type="datetimeFigureOut">
               <a:rPr lang="en-US" smtClean="0"/>
-              <a:t>5/6/2025</a:t>
+              <a:t>5/9/2025</a:t>
             </a:fld>
             <a:endParaRPr lang="en-US"/>
           </a:p>
@@ -5061,7 +5061,7 @@
     </p:spTree>
     <p:extLst>
       <p:ext uri="{BB962C8B-B14F-4D97-AF65-F5344CB8AC3E}">
-        <p14:creationId xmlns:p14="http://schemas.microsoft.com/office/powerpoint/2010/main" val="816223780"/>
+        <p14:creationId xmlns:p14="http://schemas.microsoft.com/office/powerpoint/2010/main" val="177168"/>
       </p:ext>
     </p:extLst>
   </p:cSld>
@@ -5261,7 +5261,7 @@
           <a:p>
             <a:fld id="{A9612C94-3065-4569-9717-3719DCF8FC1C}" type="datetimeFigureOut">
               <a:rPr lang="en-US" smtClean="0"/>
-              <a:t>5/6/2025</a:t>
+              <a:t>5/9/2025</a:t>
             </a:fld>
             <a:endParaRPr lang="en-US"/>
           </a:p>
@@ -5312,7 +5312,7 @@
     </p:spTree>
     <p:extLst>
       <p:ext uri="{BB962C8B-B14F-4D97-AF65-F5344CB8AC3E}">
-        <p14:creationId xmlns:p14="http://schemas.microsoft.com/office/powerpoint/2010/main" val="707480003"/>
+        <p14:creationId xmlns:p14="http://schemas.microsoft.com/office/powerpoint/2010/main" val="111018845"/>
       </p:ext>
     </p:extLst>
   </p:cSld>
@@ -5575,7 +5575,7 @@
           <a:p>
             <a:fld id="{A9612C94-3065-4569-9717-3719DCF8FC1C}" type="datetimeFigureOut">
               <a:rPr lang="en-US" smtClean="0"/>
-              <a:t>5/6/2025</a:t>
+              <a:t>5/9/2025</a:t>
             </a:fld>
             <a:endParaRPr lang="en-US"/>
           </a:p>
@@ -5708,7 +5708,7 @@
     </p:spTree>
     <p:extLst>
       <p:ext uri="{BB962C8B-B14F-4D97-AF65-F5344CB8AC3E}">
-        <p14:creationId xmlns:p14="http://schemas.microsoft.com/office/powerpoint/2010/main" val="4124901512"/>
+        <p14:creationId xmlns:p14="http://schemas.microsoft.com/office/powerpoint/2010/main" val="2651846733"/>
       </p:ext>
     </p:extLst>
   </p:cSld>
@@ -5968,7 +5968,7 @@
           <a:p>
             <a:fld id="{A9612C94-3065-4569-9717-3719DCF8FC1C}" type="datetimeFigureOut">
               <a:rPr lang="en-US" smtClean="0"/>
-              <a:t>5/6/2025</a:t>
+              <a:t>5/9/2025</a:t>
             </a:fld>
             <a:endParaRPr lang="en-US"/>
           </a:p>
@@ -6019,7 +6019,7 @@
     </p:spTree>
     <p:extLst>
       <p:ext uri="{BB962C8B-B14F-4D97-AF65-F5344CB8AC3E}">
-        <p14:creationId xmlns:p14="http://schemas.microsoft.com/office/powerpoint/2010/main" val="3209615854"/>
+        <p14:creationId xmlns:p14="http://schemas.microsoft.com/office/powerpoint/2010/main" val="1267282451"/>
       </p:ext>
     </p:extLst>
   </p:cSld>
@@ -6138,7 +6138,7 @@
           <a:p>
             <a:fld id="{A9612C94-3065-4569-9717-3719DCF8FC1C}" type="datetimeFigureOut">
               <a:rPr lang="en-US" smtClean="0"/>
-              <a:t>5/6/2025</a:t>
+              <a:t>5/9/2025</a:t>
             </a:fld>
             <a:endParaRPr lang="en-US"/>
           </a:p>
@@ -6189,7 +6189,7 @@
     </p:spTree>
     <p:extLst>
       <p:ext uri="{BB962C8B-B14F-4D97-AF65-F5344CB8AC3E}">
-        <p14:creationId xmlns:p14="http://schemas.microsoft.com/office/powerpoint/2010/main" val="2464909321"/>
+        <p14:creationId xmlns:p14="http://schemas.microsoft.com/office/powerpoint/2010/main" val="532820352"/>
       </p:ext>
     </p:extLst>
   </p:cSld>
@@ -6318,7 +6318,7 @@
           <a:p>
             <a:fld id="{A9612C94-3065-4569-9717-3719DCF8FC1C}" type="datetimeFigureOut">
               <a:rPr lang="en-US" smtClean="0"/>
-              <a:t>5/6/2025</a:t>
+              <a:t>5/9/2025</a:t>
             </a:fld>
             <a:endParaRPr lang="en-US"/>
           </a:p>
@@ -6369,7 +6369,7 @@
     </p:spTree>
     <p:extLst>
       <p:ext uri="{BB962C8B-B14F-4D97-AF65-F5344CB8AC3E}">
-        <p14:creationId xmlns:p14="http://schemas.microsoft.com/office/powerpoint/2010/main" val="4137840147"/>
+        <p14:creationId xmlns:p14="http://schemas.microsoft.com/office/powerpoint/2010/main" val="1900258984"/>
       </p:ext>
     </p:extLst>
   </p:cSld>
@@ -6494,7 +6494,7 @@
           <a:p>
             <a:fld id="{A9612C94-3065-4569-9717-3719DCF8FC1C}" type="datetimeFigureOut">
               <a:rPr lang="en-US" smtClean="0"/>
-              <a:t>5/6/2025</a:t>
+              <a:t>5/9/2025</a:t>
             </a:fld>
             <a:endParaRPr lang="en-US"/>
           </a:p>
@@ -6545,7 +6545,7 @@
     </p:spTree>
     <p:extLst>
       <p:ext uri="{BB962C8B-B14F-4D97-AF65-F5344CB8AC3E}">
-        <p14:creationId xmlns:p14="http://schemas.microsoft.com/office/powerpoint/2010/main" val="3532239567"/>
+        <p14:creationId xmlns:p14="http://schemas.microsoft.com/office/powerpoint/2010/main" val="2132262752"/>
       </p:ext>
     </p:extLst>
   </p:cSld>
@@ -6741,7 +6741,7 @@
           <a:p>
             <a:fld id="{A9612C94-3065-4569-9717-3719DCF8FC1C}" type="datetimeFigureOut">
               <a:rPr lang="en-US" smtClean="0"/>
-              <a:t>5/6/2025</a:t>
+              <a:t>5/9/2025</a:t>
             </a:fld>
             <a:endParaRPr lang="en-US"/>
           </a:p>
@@ -6792,7 +6792,7 @@
     </p:spTree>
     <p:extLst>
       <p:ext uri="{BB962C8B-B14F-4D97-AF65-F5344CB8AC3E}">
-        <p14:creationId xmlns:p14="http://schemas.microsoft.com/office/powerpoint/2010/main" val="1011321195"/>
+        <p14:creationId xmlns:p14="http://schemas.microsoft.com/office/powerpoint/2010/main" val="2898396223"/>
       </p:ext>
     </p:extLst>
   </p:cSld>
@@ -6973,7 +6973,7 @@
           <a:p>
             <a:fld id="{A9612C94-3065-4569-9717-3719DCF8FC1C}" type="datetimeFigureOut">
               <a:rPr lang="en-US" smtClean="0"/>
-              <a:t>5/6/2025</a:t>
+              <a:t>5/9/2025</a:t>
             </a:fld>
             <a:endParaRPr lang="en-US"/>
           </a:p>
@@ -7024,7 +7024,7 @@
     </p:spTree>
     <p:extLst>
       <p:ext uri="{BB962C8B-B14F-4D97-AF65-F5344CB8AC3E}">
-        <p14:creationId xmlns:p14="http://schemas.microsoft.com/office/powerpoint/2010/main" val="8441359"/>
+        <p14:creationId xmlns:p14="http://schemas.microsoft.com/office/powerpoint/2010/main" val="1787986605"/>
       </p:ext>
     </p:extLst>
   </p:cSld>
@@ -7347,7 +7347,7 @@
           <a:p>
             <a:fld id="{A9612C94-3065-4569-9717-3719DCF8FC1C}" type="datetimeFigureOut">
               <a:rPr lang="en-US" smtClean="0"/>
-              <a:t>5/6/2025</a:t>
+              <a:t>5/9/2025</a:t>
             </a:fld>
             <a:endParaRPr lang="en-US"/>
           </a:p>
@@ -7398,7 +7398,7 @@
     </p:spTree>
     <p:extLst>
       <p:ext uri="{BB962C8B-B14F-4D97-AF65-F5344CB8AC3E}">
-        <p14:creationId xmlns:p14="http://schemas.microsoft.com/office/powerpoint/2010/main" val="3098583181"/>
+        <p14:creationId xmlns:p14="http://schemas.microsoft.com/office/powerpoint/2010/main" val="4080296590"/>
       </p:ext>
     </p:extLst>
   </p:cSld>
@@ -7470,7 +7470,7 @@
           <a:p>
             <a:fld id="{A9612C94-3065-4569-9717-3719DCF8FC1C}" type="datetimeFigureOut">
               <a:rPr lang="en-US" smtClean="0"/>
-              <a:t>5/6/2025</a:t>
+              <a:t>5/9/2025</a:t>
             </a:fld>
             <a:endParaRPr lang="en-US"/>
           </a:p>
@@ -7521,7 +7521,7 @@
     </p:spTree>
     <p:extLst>
       <p:ext uri="{BB962C8B-B14F-4D97-AF65-F5344CB8AC3E}">
-        <p14:creationId xmlns:p14="http://schemas.microsoft.com/office/powerpoint/2010/main" val="1749490438"/>
+        <p14:creationId xmlns:p14="http://schemas.microsoft.com/office/powerpoint/2010/main" val="2232773079"/>
       </p:ext>
     </p:extLst>
   </p:cSld>
@@ -7565,7 +7565,7 @@
           <a:p>
             <a:fld id="{A9612C94-3065-4569-9717-3719DCF8FC1C}" type="datetimeFigureOut">
               <a:rPr lang="en-US" smtClean="0"/>
-              <a:t>5/6/2025</a:t>
+              <a:t>5/9/2025</a:t>
             </a:fld>
             <a:endParaRPr lang="en-US"/>
           </a:p>
@@ -7616,7 +7616,7 @@
     </p:spTree>
     <p:extLst>
       <p:ext uri="{BB962C8B-B14F-4D97-AF65-F5344CB8AC3E}">
-        <p14:creationId xmlns:p14="http://schemas.microsoft.com/office/powerpoint/2010/main" val="3136847089"/>
+        <p14:creationId xmlns:p14="http://schemas.microsoft.com/office/powerpoint/2010/main" val="266753352"/>
       </p:ext>
     </p:extLst>
   </p:cSld>
@@ -7820,7 +7820,7 @@
           <a:p>
             <a:fld id="{A9612C94-3065-4569-9717-3719DCF8FC1C}" type="datetimeFigureOut">
               <a:rPr lang="en-US" smtClean="0"/>
-              <a:t>5/6/2025</a:t>
+              <a:t>5/9/2025</a:t>
             </a:fld>
             <a:endParaRPr lang="en-US"/>
           </a:p>
@@ -7871,7 +7871,7 @@
     </p:spTree>
     <p:extLst>
       <p:ext uri="{BB962C8B-B14F-4D97-AF65-F5344CB8AC3E}">
-        <p14:creationId xmlns:p14="http://schemas.microsoft.com/office/powerpoint/2010/main" val="418567624"/>
+        <p14:creationId xmlns:p14="http://schemas.microsoft.com/office/powerpoint/2010/main" val="935710675"/>
       </p:ext>
     </p:extLst>
   </p:cSld>
@@ -8083,7 +8083,7 @@
           <a:p>
             <a:fld id="{A9612C94-3065-4569-9717-3719DCF8FC1C}" type="datetimeFigureOut">
               <a:rPr lang="en-US" smtClean="0"/>
-              <a:t>5/6/2025</a:t>
+              <a:t>5/9/2025</a:t>
             </a:fld>
             <a:endParaRPr lang="en-US"/>
           </a:p>
@@ -8134,7 +8134,7 @@
     </p:spTree>
     <p:extLst>
       <p:ext uri="{BB962C8B-B14F-4D97-AF65-F5344CB8AC3E}">
-        <p14:creationId xmlns:p14="http://schemas.microsoft.com/office/powerpoint/2010/main" val="1495542651"/>
+        <p14:creationId xmlns:p14="http://schemas.microsoft.com/office/powerpoint/2010/main" val="4110924896"/>
       </p:ext>
     </p:extLst>
   </p:cSld>
@@ -8826,7 +8826,7 @@
           <a:p>
             <a:fld id="{A9612C94-3065-4569-9717-3719DCF8FC1C}" type="datetimeFigureOut">
               <a:rPr lang="en-US" smtClean="0"/>
-              <a:t>5/6/2025</a:t>
+              <a:t>5/9/2025</a:t>
             </a:fld>
             <a:endParaRPr lang="en-US"/>
           </a:p>
@@ -8911,28 +8911,28 @@
     </p:spTree>
     <p:extLst>
       <p:ext uri="{BB962C8B-B14F-4D97-AF65-F5344CB8AC3E}">
-        <p14:creationId xmlns:p14="http://schemas.microsoft.com/office/powerpoint/2010/main" val="2552967086"/>
+        <p14:creationId xmlns:p14="http://schemas.microsoft.com/office/powerpoint/2010/main" val="2410321576"/>
       </p:ext>
     </p:extLst>
   </p:cSld>
   <p:clrMap bg1="lt1" tx1="dk1" bg2="lt2" tx2="dk2" accent1="accent1" accent2="accent2" accent3="accent3" accent4="accent4" accent5="accent5" accent6="accent6" hlink="hlink" folHlink="folHlink"/>
   <p:sldLayoutIdLst>
-    <p:sldLayoutId id="2147483673" r:id="rId1"/>
-    <p:sldLayoutId id="2147483674" r:id="rId2"/>
-    <p:sldLayoutId id="2147483675" r:id="rId3"/>
-    <p:sldLayoutId id="2147483676" r:id="rId4"/>
-    <p:sldLayoutId id="2147483677" r:id="rId5"/>
-    <p:sldLayoutId id="2147483678" r:id="rId6"/>
-    <p:sldLayoutId id="2147483679" r:id="rId7"/>
-    <p:sldLayoutId id="2147483680" r:id="rId8"/>
-    <p:sldLayoutId id="2147483681" r:id="rId9"/>
-    <p:sldLayoutId id="2147483682" r:id="rId10"/>
-    <p:sldLayoutId id="2147483683" r:id="rId11"/>
-    <p:sldLayoutId id="2147483684" r:id="rId12"/>
-    <p:sldLayoutId id="2147483685" r:id="rId13"/>
-    <p:sldLayoutId id="2147483686" r:id="rId14"/>
-    <p:sldLayoutId id="2147483687" r:id="rId15"/>
-    <p:sldLayoutId id="2147483688" r:id="rId16"/>
+    <p:sldLayoutId id="2147483795" r:id="rId1"/>
+    <p:sldLayoutId id="2147483796" r:id="rId2"/>
+    <p:sldLayoutId id="2147483797" r:id="rId3"/>
+    <p:sldLayoutId id="2147483798" r:id="rId4"/>
+    <p:sldLayoutId id="2147483799" r:id="rId5"/>
+    <p:sldLayoutId id="2147483800" r:id="rId6"/>
+    <p:sldLayoutId id="2147483801" r:id="rId7"/>
+    <p:sldLayoutId id="2147483802" r:id="rId8"/>
+    <p:sldLayoutId id="2147483803" r:id="rId9"/>
+    <p:sldLayoutId id="2147483804" r:id="rId10"/>
+    <p:sldLayoutId id="2147483805" r:id="rId11"/>
+    <p:sldLayoutId id="2147483806" r:id="rId12"/>
+    <p:sldLayoutId id="2147483807" r:id="rId13"/>
+    <p:sldLayoutId id="2147483808" r:id="rId14"/>
+    <p:sldLayoutId id="2147483809" r:id="rId15"/>
+    <p:sldLayoutId id="2147483810" r:id="rId16"/>
   </p:sldLayoutIdLst>
   <p:txStyles>
     <p:titleStyle>
@@ -9368,7 +9368,9 @@
         </p:nvSpPr>
         <p:spPr/>
         <p:txBody>
-          <a:bodyPr/>
+          <a:bodyPr>
+            <a:normAutofit fontScale="90000"/>
+          </a:bodyPr>
           <a:lstStyle/>
           <a:p>
             <a:pPr algn="ctr"/>
